--- a/Chapitre_03_TorseursCinetiquesDynamiques/TD_02_Stabilisateur_PFD_TODO/images/Figures.pptx
+++ b/Chapitre_03_TorseursCinetiquesDynamiques/TD_02_Stabilisateur_PFD_TODO/images/Figures.pptx
@@ -6,6 +6,7 @@
   </p:sldMasterIdLst>
   <p:sldIdLst>
     <p:sldId id="256" r:id="rId2"/>
+    <p:sldId id="257" r:id="rId3"/>
   </p:sldIdLst>
   <p:sldSz cx="9144000" cy="6858000" type="screen4x3"/>
   <p:notesSz cx="6858000" cy="9144000"/>
@@ -304,7 +305,7 @@
           <a:p>
             <a:fld id="{AA309A6D-C09C-4548-B29A-6CF363A7E532}" type="datetimeFigureOut">
               <a:rPr lang="fr-FR" smtClean="0"/>
-              <a:t>05/04/2019</a:t>
+              <a:t>07/04/2019</a:t>
             </a:fld>
             <a:endParaRPr lang="fr-BE"/>
           </a:p>
@@ -469,7 +470,7 @@
           <a:p>
             <a:fld id="{AA309A6D-C09C-4548-B29A-6CF363A7E532}" type="datetimeFigureOut">
               <a:rPr lang="fr-FR" smtClean="0"/>
-              <a:t>05/04/2019</a:t>
+              <a:t>07/04/2019</a:t>
             </a:fld>
             <a:endParaRPr lang="fr-BE"/>
           </a:p>
@@ -644,7 +645,7 @@
           <a:p>
             <a:fld id="{AA309A6D-C09C-4548-B29A-6CF363A7E532}" type="datetimeFigureOut">
               <a:rPr lang="fr-FR" smtClean="0"/>
-              <a:t>05/04/2019</a:t>
+              <a:t>07/04/2019</a:t>
             </a:fld>
             <a:endParaRPr lang="fr-BE"/>
           </a:p>
@@ -809,7 +810,7 @@
           <a:p>
             <a:fld id="{AA309A6D-C09C-4548-B29A-6CF363A7E532}" type="datetimeFigureOut">
               <a:rPr lang="fr-FR" smtClean="0"/>
-              <a:t>05/04/2019</a:t>
+              <a:t>07/04/2019</a:t>
             </a:fld>
             <a:endParaRPr lang="fr-BE"/>
           </a:p>
@@ -1050,7 +1051,7 @@
           <a:p>
             <a:fld id="{AA309A6D-C09C-4548-B29A-6CF363A7E532}" type="datetimeFigureOut">
               <a:rPr lang="fr-FR" smtClean="0"/>
-              <a:t>05/04/2019</a:t>
+              <a:t>07/04/2019</a:t>
             </a:fld>
             <a:endParaRPr lang="fr-BE"/>
           </a:p>
@@ -1333,7 +1334,7 @@
           <a:p>
             <a:fld id="{AA309A6D-C09C-4548-B29A-6CF363A7E532}" type="datetimeFigureOut">
               <a:rPr lang="fr-FR" smtClean="0"/>
-              <a:t>05/04/2019</a:t>
+              <a:t>07/04/2019</a:t>
             </a:fld>
             <a:endParaRPr lang="fr-BE"/>
           </a:p>
@@ -1750,7 +1751,7 @@
           <a:p>
             <a:fld id="{AA309A6D-C09C-4548-B29A-6CF363A7E532}" type="datetimeFigureOut">
               <a:rPr lang="fr-FR" smtClean="0"/>
-              <a:t>05/04/2019</a:t>
+              <a:t>07/04/2019</a:t>
             </a:fld>
             <a:endParaRPr lang="fr-BE"/>
           </a:p>
@@ -1863,7 +1864,7 @@
           <a:p>
             <a:fld id="{AA309A6D-C09C-4548-B29A-6CF363A7E532}" type="datetimeFigureOut">
               <a:rPr lang="fr-FR" smtClean="0"/>
-              <a:t>05/04/2019</a:t>
+              <a:t>07/04/2019</a:t>
             </a:fld>
             <a:endParaRPr lang="fr-BE"/>
           </a:p>
@@ -1953,7 +1954,7 @@
           <a:p>
             <a:fld id="{AA309A6D-C09C-4548-B29A-6CF363A7E532}" type="datetimeFigureOut">
               <a:rPr lang="fr-FR" smtClean="0"/>
-              <a:t>05/04/2019</a:t>
+              <a:t>07/04/2019</a:t>
             </a:fld>
             <a:endParaRPr lang="fr-BE"/>
           </a:p>
@@ -2225,7 +2226,7 @@
           <a:p>
             <a:fld id="{AA309A6D-C09C-4548-B29A-6CF363A7E532}" type="datetimeFigureOut">
               <a:rPr lang="fr-FR" smtClean="0"/>
-              <a:t>05/04/2019</a:t>
+              <a:t>07/04/2019</a:t>
             </a:fld>
             <a:endParaRPr lang="fr-BE"/>
           </a:p>
@@ -2473,7 +2474,7 @@
           <a:p>
             <a:fld id="{AA309A6D-C09C-4548-B29A-6CF363A7E532}" type="datetimeFigureOut">
               <a:rPr lang="fr-FR" smtClean="0"/>
-              <a:t>05/04/2019</a:t>
+              <a:t>07/04/2019</a:t>
             </a:fld>
             <a:endParaRPr lang="fr-BE"/>
           </a:p>
@@ -2681,7 +2682,7 @@
           <a:p>
             <a:fld id="{AA309A6D-C09C-4548-B29A-6CF363A7E532}" type="datetimeFigureOut">
               <a:rPr lang="fr-FR" smtClean="0"/>
-              <a:t>05/04/2019</a:t>
+              <a:t>07/04/2019</a:t>
             </a:fld>
             <a:endParaRPr lang="fr-BE"/>
           </a:p>
@@ -3453,6 +3454,749 @@
 </p:sld>
 </file>
 
+<file path=ppt/slides/slide2.xml><?xml version="1.0" encoding="utf-8"?>
+<p:sld xmlns:a="http://schemas.openxmlformats.org/drawingml/2006/main" xmlns:r="http://schemas.openxmlformats.org/officeDocument/2006/relationships" xmlns:p="http://schemas.openxmlformats.org/presentationml/2006/main">
+  <p:cSld>
+    <p:spTree>
+      <p:nvGrpSpPr>
+        <p:cNvPr id="1" name=""/>
+        <p:cNvGrpSpPr/>
+        <p:nvPr/>
+      </p:nvGrpSpPr>
+      <p:grpSpPr>
+        <a:xfrm>
+          <a:off x="0" y="0"/>
+          <a:ext cx="0" cy="0"/>
+          <a:chOff x="0" y="0"/>
+          <a:chExt cx="0" cy="0"/>
+        </a:xfrm>
+      </p:grpSpPr>
+      <p:pic>
+        <p:nvPicPr>
+          <p:cNvPr id="7" name="Image 6">
+            <a:extLst>
+              <a:ext uri="{FF2B5EF4-FFF2-40B4-BE49-F238E27FC236}">
+                <a16:creationId xmlns:a16="http://schemas.microsoft.com/office/drawing/2014/main" id="{14B9DD8D-5258-470C-83C2-3E4E83C7FBAA}"/>
+              </a:ext>
+            </a:extLst>
+          </p:cNvPr>
+          <p:cNvPicPr>
+            <a:picLocks noChangeAspect="1"/>
+          </p:cNvPicPr>
+          <p:nvPr/>
+        </p:nvPicPr>
+        <p:blipFill>
+          <a:blip r:embed="rId2"/>
+          <a:stretch>
+            <a:fillRect/>
+          </a:stretch>
+        </p:blipFill>
+        <p:spPr>
+          <a:xfrm>
+            <a:off x="899592" y="1556792"/>
+            <a:ext cx="6396449" cy="4291775"/>
+          </a:xfrm>
+          <a:prstGeom prst="rect">
+            <a:avLst/>
+          </a:prstGeom>
+        </p:spPr>
+      </p:pic>
+      <p:cxnSp>
+        <p:nvCxnSpPr>
+          <p:cNvPr id="9" name="Connecteur droit 8">
+            <a:extLst>
+              <a:ext uri="{FF2B5EF4-FFF2-40B4-BE49-F238E27FC236}">
+                <a16:creationId xmlns:a16="http://schemas.microsoft.com/office/drawing/2014/main" id="{3FFF7741-BF8D-4FD8-98C1-9E91D3140CF0}"/>
+              </a:ext>
+            </a:extLst>
+          </p:cNvPr>
+          <p:cNvCxnSpPr>
+            <a:cxnSpLocks/>
+          </p:cNvCxnSpPr>
+          <p:nvPr/>
+        </p:nvCxnSpPr>
+        <p:spPr>
+          <a:xfrm>
+            <a:off x="1331640" y="3429000"/>
+            <a:ext cx="2160240" cy="0"/>
+          </a:xfrm>
+          <a:prstGeom prst="line">
+            <a:avLst/>
+          </a:prstGeom>
+          <a:ln w="28575">
+            <a:solidFill>
+              <a:srgbClr val="C00000"/>
+            </a:solidFill>
+          </a:ln>
+        </p:spPr>
+        <p:style>
+          <a:lnRef idx="1">
+            <a:schemeClr val="accent1"/>
+          </a:lnRef>
+          <a:fillRef idx="0">
+            <a:schemeClr val="accent1"/>
+          </a:fillRef>
+          <a:effectRef idx="0">
+            <a:schemeClr val="accent1"/>
+          </a:effectRef>
+          <a:fontRef idx="minor">
+            <a:schemeClr val="tx1"/>
+          </a:fontRef>
+        </p:style>
+      </p:cxnSp>
+      <p:cxnSp>
+        <p:nvCxnSpPr>
+          <p:cNvPr id="11" name="Connecteur droit 10">
+            <a:extLst>
+              <a:ext uri="{FF2B5EF4-FFF2-40B4-BE49-F238E27FC236}">
+                <a16:creationId xmlns:a16="http://schemas.microsoft.com/office/drawing/2014/main" id="{1ECE1DE2-C0A4-4375-B4D8-F241141C1915}"/>
+              </a:ext>
+            </a:extLst>
+          </p:cNvPr>
+          <p:cNvCxnSpPr>
+            <a:cxnSpLocks/>
+          </p:cNvCxnSpPr>
+          <p:nvPr/>
+        </p:nvCxnSpPr>
+        <p:spPr>
+          <a:xfrm flipH="1" flipV="1">
+            <a:off x="3491880" y="3429000"/>
+            <a:ext cx="2520280" cy="1872208"/>
+          </a:xfrm>
+          <a:prstGeom prst="line">
+            <a:avLst/>
+          </a:prstGeom>
+          <a:ln w="28575">
+            <a:solidFill>
+              <a:srgbClr val="C00000"/>
+            </a:solidFill>
+          </a:ln>
+        </p:spPr>
+        <p:style>
+          <a:lnRef idx="1">
+            <a:schemeClr val="accent1"/>
+          </a:lnRef>
+          <a:fillRef idx="0">
+            <a:schemeClr val="accent1"/>
+          </a:fillRef>
+          <a:effectRef idx="0">
+            <a:schemeClr val="accent1"/>
+          </a:effectRef>
+          <a:fontRef idx="minor">
+            <a:schemeClr val="tx1"/>
+          </a:fontRef>
+        </p:style>
+      </p:cxnSp>
+      <p:cxnSp>
+        <p:nvCxnSpPr>
+          <p:cNvPr id="17" name="Connecteur droit 16">
+            <a:extLst>
+              <a:ext uri="{FF2B5EF4-FFF2-40B4-BE49-F238E27FC236}">
+                <a16:creationId xmlns:a16="http://schemas.microsoft.com/office/drawing/2014/main" id="{DEA2196E-7503-4BA9-BCB7-E7403F9BE1B6}"/>
+              </a:ext>
+            </a:extLst>
+          </p:cNvPr>
+          <p:cNvCxnSpPr>
+            <a:cxnSpLocks/>
+          </p:cNvCxnSpPr>
+          <p:nvPr/>
+        </p:nvCxnSpPr>
+        <p:spPr>
+          <a:xfrm flipV="1">
+            <a:off x="3491880" y="3429000"/>
+            <a:ext cx="0" cy="1008112"/>
+          </a:xfrm>
+          <a:prstGeom prst="line">
+            <a:avLst/>
+          </a:prstGeom>
+          <a:ln>
+            <a:solidFill>
+              <a:srgbClr val="C00000"/>
+            </a:solidFill>
+            <a:prstDash val="sysDash"/>
+          </a:ln>
+        </p:spPr>
+        <p:style>
+          <a:lnRef idx="1">
+            <a:schemeClr val="accent1"/>
+          </a:lnRef>
+          <a:fillRef idx="0">
+            <a:schemeClr val="accent1"/>
+          </a:fillRef>
+          <a:effectRef idx="0">
+            <a:schemeClr val="accent1"/>
+          </a:effectRef>
+          <a:fontRef idx="minor">
+            <a:schemeClr val="tx1"/>
+          </a:fontRef>
+        </p:style>
+      </p:cxnSp>
+      <p:sp>
+        <p:nvSpPr>
+          <p:cNvPr id="18" name="Forme libre : forme 17">
+            <a:extLst>
+              <a:ext uri="{FF2B5EF4-FFF2-40B4-BE49-F238E27FC236}">
+                <a16:creationId xmlns:a16="http://schemas.microsoft.com/office/drawing/2014/main" id="{9A2DA2F4-323E-47FE-ACE7-AF99F9C5C35E}"/>
+              </a:ext>
+            </a:extLst>
+          </p:cNvPr>
+          <p:cNvSpPr/>
+          <p:nvPr/>
+        </p:nvSpPr>
+        <p:spPr>
+          <a:xfrm>
+            <a:off x="1371600" y="1866900"/>
+            <a:ext cx="2000250" cy="1511300"/>
+          </a:xfrm>
+          <a:custGeom>
+            <a:avLst/>
+            <a:gdLst>
+              <a:gd name="connsiteX0" fmla="*/ 0 w 2000250"/>
+              <a:gd name="connsiteY0" fmla="*/ 1511300 h 1511300"/>
+              <a:gd name="connsiteX1" fmla="*/ 2000250 w 2000250"/>
+              <a:gd name="connsiteY1" fmla="*/ 0 h 1511300"/>
+              <a:gd name="connsiteX0" fmla="*/ 0 w 2000250"/>
+              <a:gd name="connsiteY0" fmla="*/ 1511300 h 1511300"/>
+              <a:gd name="connsiteX1" fmla="*/ 2000250 w 2000250"/>
+              <a:gd name="connsiteY1" fmla="*/ 0 h 1511300"/>
+              <a:gd name="connsiteX0" fmla="*/ 0 w 2000250"/>
+              <a:gd name="connsiteY0" fmla="*/ 1511300 h 1511300"/>
+              <a:gd name="connsiteX1" fmla="*/ 2000250 w 2000250"/>
+              <a:gd name="connsiteY1" fmla="*/ 0 h 1511300"/>
+            </a:gdLst>
+            <a:ahLst/>
+            <a:cxnLst>
+              <a:cxn ang="0">
+                <a:pos x="connsiteX0" y="connsiteY0"/>
+              </a:cxn>
+              <a:cxn ang="0">
+                <a:pos x="connsiteX1" y="connsiteY1"/>
+              </a:cxn>
+            </a:cxnLst>
+            <a:rect l="l" t="t" r="r" b="b"/>
+            <a:pathLst>
+              <a:path w="2000250" h="1511300">
+                <a:moveTo>
+                  <a:pt x="0" y="1511300"/>
+                </a:moveTo>
+                <a:cubicBezTo>
+                  <a:pt x="1397000" y="1496483"/>
+                  <a:pt x="1905000" y="675217"/>
+                  <a:pt x="2000250" y="0"/>
+                </a:cubicBezTo>
+              </a:path>
+            </a:pathLst>
+          </a:custGeom>
+          <a:noFill/>
+          <a:ln w="12700">
+            <a:solidFill>
+              <a:srgbClr val="C00000"/>
+            </a:solidFill>
+          </a:ln>
+        </p:spPr>
+        <p:style>
+          <a:lnRef idx="2">
+            <a:schemeClr val="accent1">
+              <a:shade val="50000"/>
+            </a:schemeClr>
+          </a:lnRef>
+          <a:fillRef idx="1">
+            <a:schemeClr val="accent1"/>
+          </a:fillRef>
+          <a:effectRef idx="0">
+            <a:schemeClr val="accent1"/>
+          </a:effectRef>
+          <a:fontRef idx="minor">
+            <a:schemeClr val="lt1"/>
+          </a:fontRef>
+        </p:style>
+        <p:txBody>
+          <a:bodyPr rtlCol="0" anchor="ctr"/>
+          <a:lstStyle/>
+          <a:p>
+            <a:pPr algn="ctr"/>
+            <a:endParaRPr lang="fr-FR"/>
+          </a:p>
+        </p:txBody>
+      </p:sp>
+      <p:sp>
+        <p:nvSpPr>
+          <p:cNvPr id="19" name="Forme libre : forme 18">
+            <a:extLst>
+              <a:ext uri="{FF2B5EF4-FFF2-40B4-BE49-F238E27FC236}">
+                <a16:creationId xmlns:a16="http://schemas.microsoft.com/office/drawing/2014/main" id="{CBA5AFF9-467A-449B-AC09-A27541F5E672}"/>
+              </a:ext>
+            </a:extLst>
+          </p:cNvPr>
+          <p:cNvSpPr/>
+          <p:nvPr/>
+        </p:nvSpPr>
+        <p:spPr>
+          <a:xfrm flipH="1">
+            <a:off x="3491880" y="1894085"/>
+            <a:ext cx="2466325" cy="3289300"/>
+          </a:xfrm>
+          <a:custGeom>
+            <a:avLst/>
+            <a:gdLst>
+              <a:gd name="connsiteX0" fmla="*/ 0 w 2000250"/>
+              <a:gd name="connsiteY0" fmla="*/ 1511300 h 1511300"/>
+              <a:gd name="connsiteX1" fmla="*/ 2000250 w 2000250"/>
+              <a:gd name="connsiteY1" fmla="*/ 0 h 1511300"/>
+              <a:gd name="connsiteX0" fmla="*/ 0 w 2000250"/>
+              <a:gd name="connsiteY0" fmla="*/ 1511300 h 1511300"/>
+              <a:gd name="connsiteX1" fmla="*/ 2000250 w 2000250"/>
+              <a:gd name="connsiteY1" fmla="*/ 0 h 1511300"/>
+              <a:gd name="connsiteX0" fmla="*/ 0 w 2000250"/>
+              <a:gd name="connsiteY0" fmla="*/ 1511300 h 1511300"/>
+              <a:gd name="connsiteX1" fmla="*/ 2000250 w 2000250"/>
+              <a:gd name="connsiteY1" fmla="*/ 0 h 1511300"/>
+              <a:gd name="connsiteX0" fmla="*/ 0 w 2790585"/>
+              <a:gd name="connsiteY0" fmla="*/ 3289300 h 3289300"/>
+              <a:gd name="connsiteX1" fmla="*/ 2790585 w 2790585"/>
+              <a:gd name="connsiteY1" fmla="*/ 0 h 3289300"/>
+              <a:gd name="connsiteX0" fmla="*/ 0 w 2790585"/>
+              <a:gd name="connsiteY0" fmla="*/ 3289300 h 3289300"/>
+              <a:gd name="connsiteX1" fmla="*/ 2790585 w 2790585"/>
+              <a:gd name="connsiteY1" fmla="*/ 0 h 3289300"/>
+              <a:gd name="connsiteX0" fmla="*/ 0 w 2790585"/>
+              <a:gd name="connsiteY0" fmla="*/ 3289300 h 3289300"/>
+              <a:gd name="connsiteX1" fmla="*/ 2790585 w 2790585"/>
+              <a:gd name="connsiteY1" fmla="*/ 0 h 3289300"/>
+            </a:gdLst>
+            <a:ahLst/>
+            <a:cxnLst>
+              <a:cxn ang="0">
+                <a:pos x="connsiteX0" y="connsiteY0"/>
+              </a:cxn>
+              <a:cxn ang="0">
+                <a:pos x="connsiteX1" y="connsiteY1"/>
+              </a:cxn>
+            </a:cxnLst>
+            <a:rect l="l" t="t" r="r" b="b"/>
+            <a:pathLst>
+              <a:path w="2790585" h="3289300">
+                <a:moveTo>
+                  <a:pt x="0" y="3289300"/>
+                </a:moveTo>
+                <a:cubicBezTo>
+                  <a:pt x="1325152" y="2385483"/>
+                  <a:pt x="2731260" y="1221317"/>
+                  <a:pt x="2790585" y="0"/>
+                </a:cubicBezTo>
+              </a:path>
+            </a:pathLst>
+          </a:custGeom>
+          <a:noFill/>
+          <a:ln w="12700">
+            <a:solidFill>
+              <a:srgbClr val="C00000"/>
+            </a:solidFill>
+          </a:ln>
+        </p:spPr>
+        <p:style>
+          <a:lnRef idx="2">
+            <a:schemeClr val="accent1">
+              <a:shade val="50000"/>
+            </a:schemeClr>
+          </a:lnRef>
+          <a:fillRef idx="1">
+            <a:schemeClr val="accent1"/>
+          </a:fillRef>
+          <a:effectRef idx="0">
+            <a:schemeClr val="accent1"/>
+          </a:effectRef>
+          <a:fontRef idx="minor">
+            <a:schemeClr val="lt1"/>
+          </a:fontRef>
+        </p:style>
+        <p:txBody>
+          <a:bodyPr rtlCol="0" anchor="ctr"/>
+          <a:lstStyle/>
+          <a:p>
+            <a:pPr algn="ctr"/>
+            <a:endParaRPr lang="fr-FR"/>
+          </a:p>
+        </p:txBody>
+      </p:sp>
+      <mc:AlternateContent xmlns:mc="http://schemas.openxmlformats.org/markup-compatibility/2006">
+        <mc:Choice xmlns:a14="http://schemas.microsoft.com/office/drawing/2010/main" Requires="a14">
+          <p:sp>
+            <p:nvSpPr>
+              <p:cNvPr id="21" name="ZoneTexte 20">
+                <a:extLst>
+                  <a:ext uri="{FF2B5EF4-FFF2-40B4-BE49-F238E27FC236}">
+                    <a16:creationId xmlns:a16="http://schemas.microsoft.com/office/drawing/2014/main" id="{C968859A-5242-47B1-AFF6-657224F3E767}"/>
+                  </a:ext>
+                </a:extLst>
+              </p:cNvPr>
+              <p:cNvSpPr txBox="1"/>
+              <p:nvPr/>
+            </p:nvSpPr>
+            <p:spPr>
+              <a:xfrm>
+                <a:off x="3346326" y="4470567"/>
+                <a:ext cx="326949" cy="276999"/>
+              </a:xfrm>
+              <a:prstGeom prst="rect">
+                <a:avLst/>
+              </a:prstGeom>
+              <a:noFill/>
+            </p:spPr>
+            <p:txBody>
+              <a:bodyPr wrap="none" lIns="0" tIns="0" rIns="0" bIns="0" rtlCol="0">
+                <a:spAutoFit/>
+              </a:bodyPr>
+              <a:lstStyle/>
+              <a:p>
+                <a14:m>
+                  <m:oMathPara xmlns:m="http://schemas.openxmlformats.org/officeDocument/2006/math">
+                    <m:oMathParaPr>
+                      <m:jc m:val="centerGroup"/>
+                    </m:oMathParaPr>
+                    <m:oMath xmlns:m="http://schemas.openxmlformats.org/officeDocument/2006/math">
+                      <m:sSub>
+                        <m:sSubPr>
+                          <m:ctrlPr>
+                            <a:rPr lang="fr-FR" b="0" i="1" smtClean="0">
+                              <a:latin typeface="Cambria Math" panose="02040503050406030204" pitchFamily="18" charset="0"/>
+                            </a:rPr>
+                          </m:ctrlPr>
+                        </m:sSubPr>
+                        <m:e>
+                          <m:r>
+                            <a:rPr lang="fr-FR" b="0" i="1" smtClean="0">
+                              <a:latin typeface="Cambria Math" panose="02040503050406030204" pitchFamily="18" charset="0"/>
+                            </a:rPr>
+                            <m:t>𝜔</m:t>
+                          </m:r>
+                        </m:e>
+                        <m:sub>
+                          <m:r>
+                            <a:rPr lang="fr-FR" b="0" i="1" smtClean="0">
+                              <a:latin typeface="Cambria Math" panose="02040503050406030204" pitchFamily="18" charset="0"/>
+                            </a:rPr>
+                            <m:t>0</m:t>
+                          </m:r>
+                        </m:sub>
+                      </m:sSub>
+                    </m:oMath>
+                  </m:oMathPara>
+                </a14:m>
+                <a:endParaRPr lang="fr-FR" dirty="0"/>
+              </a:p>
+            </p:txBody>
+          </p:sp>
+        </mc:Choice>
+        <mc:Fallback>
+          <p:sp>
+            <p:nvSpPr>
+              <p:cNvPr id="21" name="ZoneTexte 20">
+                <a:extLst>
+                  <a:ext uri="{FF2B5EF4-FFF2-40B4-BE49-F238E27FC236}">
+                    <a16:creationId xmlns:a16="http://schemas.microsoft.com/office/drawing/2014/main" id="{C968859A-5242-47B1-AFF6-657224F3E767}"/>
+                  </a:ext>
+                </a:extLst>
+              </p:cNvPr>
+              <p:cNvSpPr txBox="1">
+                <a:spLocks noRot="1" noChangeAspect="1" noMove="1" noResize="1" noEditPoints="1" noAdjustHandles="1" noChangeArrowheads="1" noChangeShapeType="1" noTextEdit="1"/>
+              </p:cNvSpPr>
+              <p:nvPr/>
+            </p:nvSpPr>
+            <p:spPr>
+              <a:xfrm>
+                <a:off x="3346326" y="4470567"/>
+                <a:ext cx="326949" cy="276999"/>
+              </a:xfrm>
+              <a:prstGeom prst="rect">
+                <a:avLst/>
+              </a:prstGeom>
+              <a:blipFill>
+                <a:blip r:embed="rId3"/>
+                <a:stretch>
+                  <a:fillRect l="-11111" r="-5556" b="-15217"/>
+                </a:stretch>
+              </a:blipFill>
+            </p:spPr>
+            <p:txBody>
+              <a:bodyPr/>
+              <a:lstStyle/>
+              <a:p>
+                <a:r>
+                  <a:rPr lang="fr-FR">
+                    <a:noFill/>
+                  </a:rPr>
+                  <a:t> </a:t>
+                </a:r>
+              </a:p>
+            </p:txBody>
+          </p:sp>
+        </mc:Fallback>
+      </mc:AlternateContent>
+      <mc:AlternateContent xmlns:mc="http://schemas.openxmlformats.org/markup-compatibility/2006">
+        <mc:Choice xmlns:a14="http://schemas.microsoft.com/office/drawing/2010/main" Requires="a14">
+          <p:sp>
+            <p:nvSpPr>
+              <p:cNvPr id="22" name="ZoneTexte 21">
+                <a:extLst>
+                  <a:ext uri="{FF2B5EF4-FFF2-40B4-BE49-F238E27FC236}">
+                    <a16:creationId xmlns:a16="http://schemas.microsoft.com/office/drawing/2014/main" id="{73158755-D3C5-4CD8-A433-7C83AA659169}"/>
+                  </a:ext>
+                </a:extLst>
+              </p:cNvPr>
+              <p:cNvSpPr txBox="1"/>
+              <p:nvPr/>
+            </p:nvSpPr>
+            <p:spPr>
+              <a:xfrm>
+                <a:off x="907790" y="3101201"/>
+                <a:ext cx="891013" cy="246221"/>
+              </a:xfrm>
+              <a:prstGeom prst="rect">
+                <a:avLst/>
+              </a:prstGeom>
+              <a:noFill/>
+            </p:spPr>
+            <p:txBody>
+              <a:bodyPr wrap="none" lIns="0" tIns="0" rIns="0" bIns="0" rtlCol="0">
+                <a:spAutoFit/>
+              </a:bodyPr>
+              <a:lstStyle/>
+              <a:p>
+                <a14:m>
+                  <m:oMathPara xmlns:m="http://schemas.openxmlformats.org/officeDocument/2006/math">
+                    <m:oMathParaPr>
+                      <m:jc m:val="centerGroup"/>
+                    </m:oMathParaPr>
+                    <m:oMath xmlns:m="http://schemas.openxmlformats.org/officeDocument/2006/math">
+                      <m:r>
+                        <a:rPr lang="fr-FR" sz="1600" b="0" i="1" smtClean="0">
+                          <a:latin typeface="Cambria Math" panose="02040503050406030204" pitchFamily="18" charset="0"/>
+                        </a:rPr>
+                        <m:t>−20</m:t>
+                      </m:r>
+                      <m:func>
+                        <m:funcPr>
+                          <m:ctrlPr>
+                            <a:rPr lang="fr-FR" sz="1600" b="0" i="1" smtClean="0">
+                              <a:latin typeface="Cambria Math" panose="02040503050406030204" pitchFamily="18" charset="0"/>
+                            </a:rPr>
+                          </m:ctrlPr>
+                        </m:funcPr>
+                        <m:fName>
+                          <m:r>
+                            <m:rPr>
+                              <m:sty m:val="p"/>
+                            </m:rPr>
+                            <a:rPr lang="fr-FR" sz="1600" b="0" i="0" smtClean="0">
+                              <a:latin typeface="Cambria Math" panose="02040503050406030204" pitchFamily="18" charset="0"/>
+                            </a:rPr>
+                            <m:t>log</m:t>
+                          </m:r>
+                        </m:fName>
+                        <m:e>
+                          <m:r>
+                            <a:rPr lang="fr-FR" sz="1600" b="0" i="1" smtClean="0">
+                              <a:latin typeface="Cambria Math" panose="02040503050406030204" pitchFamily="18" charset="0"/>
+                            </a:rPr>
+                            <m:t>𝑔</m:t>
+                          </m:r>
+                        </m:e>
+                      </m:func>
+                    </m:oMath>
+                  </m:oMathPara>
+                </a14:m>
+                <a:endParaRPr lang="fr-FR" sz="1600" dirty="0"/>
+              </a:p>
+            </p:txBody>
+          </p:sp>
+        </mc:Choice>
+        <mc:Fallback>
+          <p:sp>
+            <p:nvSpPr>
+              <p:cNvPr id="22" name="ZoneTexte 21">
+                <a:extLst>
+                  <a:ext uri="{FF2B5EF4-FFF2-40B4-BE49-F238E27FC236}">
+                    <a16:creationId xmlns:a16="http://schemas.microsoft.com/office/drawing/2014/main" id="{73158755-D3C5-4CD8-A433-7C83AA659169}"/>
+                  </a:ext>
+                </a:extLst>
+              </p:cNvPr>
+              <p:cNvSpPr txBox="1">
+                <a:spLocks noRot="1" noChangeAspect="1" noMove="1" noResize="1" noEditPoints="1" noAdjustHandles="1" noChangeArrowheads="1" noChangeShapeType="1" noTextEdit="1"/>
+              </p:cNvSpPr>
+              <p:nvPr/>
+            </p:nvSpPr>
+            <p:spPr>
+              <a:xfrm>
+                <a:off x="907790" y="3101201"/>
+                <a:ext cx="891013" cy="246221"/>
+              </a:xfrm>
+              <a:prstGeom prst="rect">
+                <a:avLst/>
+              </a:prstGeom>
+              <a:blipFill>
+                <a:blip r:embed="rId4"/>
+                <a:stretch>
+                  <a:fillRect l="-1370" r="-4795" b="-32500"/>
+                </a:stretch>
+              </a:blipFill>
+            </p:spPr>
+            <p:txBody>
+              <a:bodyPr/>
+              <a:lstStyle/>
+              <a:p>
+                <a:r>
+                  <a:rPr lang="fr-FR">
+                    <a:noFill/>
+                  </a:rPr>
+                  <a:t> </a:t>
+                </a:r>
+              </a:p>
+            </p:txBody>
+          </p:sp>
+        </mc:Fallback>
+      </mc:AlternateContent>
+      <mc:AlternateContent xmlns:mc="http://schemas.openxmlformats.org/markup-compatibility/2006">
+        <mc:Choice xmlns:a14="http://schemas.microsoft.com/office/drawing/2010/main" Requires="a14">
+          <p:sp>
+            <p:nvSpPr>
+              <p:cNvPr id="23" name="ZoneTexte 22">
+                <a:extLst>
+                  <a:ext uri="{FF2B5EF4-FFF2-40B4-BE49-F238E27FC236}">
+                    <a16:creationId xmlns:a16="http://schemas.microsoft.com/office/drawing/2014/main" id="{F4B61B62-2DC2-4666-A143-3539742D3AA3}"/>
+                  </a:ext>
+                </a:extLst>
+              </p:cNvPr>
+              <p:cNvSpPr txBox="1"/>
+              <p:nvPr/>
+            </p:nvSpPr>
+            <p:spPr>
+              <a:xfrm>
+                <a:off x="5004048" y="4077072"/>
+                <a:ext cx="1497205" cy="246221"/>
+              </a:xfrm>
+              <a:prstGeom prst="rect">
+                <a:avLst/>
+              </a:prstGeom>
+              <a:noFill/>
+            </p:spPr>
+            <p:txBody>
+              <a:bodyPr wrap="none" lIns="0" tIns="0" rIns="0" bIns="0" rtlCol="0">
+                <a:spAutoFit/>
+              </a:bodyPr>
+              <a:lstStyle/>
+              <a:p>
+                <a14:m>
+                  <m:oMathPara xmlns:m="http://schemas.openxmlformats.org/officeDocument/2006/math">
+                    <m:oMathParaPr>
+                      <m:jc m:val="centerGroup"/>
+                    </m:oMathParaPr>
+                    <m:oMath xmlns:m="http://schemas.openxmlformats.org/officeDocument/2006/math">
+                      <m:r>
+                        <a:rPr lang="fr-FR" sz="1600" b="0" i="1" smtClean="0">
+                          <a:latin typeface="Cambria Math" panose="02040503050406030204" pitchFamily="18" charset="0"/>
+                        </a:rPr>
+                        <m:t>−40 </m:t>
+                      </m:r>
+                      <m:r>
+                        <m:rPr>
+                          <m:sty m:val="p"/>
+                        </m:rPr>
+                        <a:rPr lang="fr-FR" sz="1600" b="0" i="0" smtClean="0">
+                          <a:latin typeface="Cambria Math" panose="02040503050406030204" pitchFamily="18" charset="0"/>
+                        </a:rPr>
+                        <m:t>dB</m:t>
+                      </m:r>
+                      <m:r>
+                        <m:rPr>
+                          <m:lit/>
+                        </m:rPr>
+                        <a:rPr lang="fr-FR" sz="1600" b="0" i="0" smtClean="0">
+                          <a:latin typeface="Cambria Math" panose="02040503050406030204" pitchFamily="18" charset="0"/>
+                        </a:rPr>
+                        <m:t>/</m:t>
+                      </m:r>
+                      <m:r>
+                        <a:rPr lang="fr-FR" sz="1600" b="0" i="0" smtClean="0">
+                          <a:latin typeface="Cambria Math" panose="02040503050406030204" pitchFamily="18" charset="0"/>
+                        </a:rPr>
+                        <m:t> </m:t>
+                      </m:r>
+                      <m:r>
+                        <m:rPr>
+                          <m:sty m:val="p"/>
+                        </m:rPr>
+                        <a:rPr lang="fr-FR" sz="1600" b="0" i="0" smtClean="0">
+                          <a:latin typeface="Cambria Math" panose="02040503050406030204" pitchFamily="18" charset="0"/>
+                        </a:rPr>
+                        <m:t>Decade</m:t>
+                      </m:r>
+                    </m:oMath>
+                  </m:oMathPara>
+                </a14:m>
+                <a:endParaRPr lang="fr-FR" sz="1600" dirty="0"/>
+              </a:p>
+            </p:txBody>
+          </p:sp>
+        </mc:Choice>
+        <mc:Fallback>
+          <p:sp>
+            <p:nvSpPr>
+              <p:cNvPr id="23" name="ZoneTexte 22">
+                <a:extLst>
+                  <a:ext uri="{FF2B5EF4-FFF2-40B4-BE49-F238E27FC236}">
+                    <a16:creationId xmlns:a16="http://schemas.microsoft.com/office/drawing/2014/main" id="{F4B61B62-2DC2-4666-A143-3539742D3AA3}"/>
+                  </a:ext>
+                </a:extLst>
+              </p:cNvPr>
+              <p:cNvSpPr txBox="1">
+                <a:spLocks noRot="1" noChangeAspect="1" noMove="1" noResize="1" noEditPoints="1" noAdjustHandles="1" noChangeArrowheads="1" noChangeShapeType="1" noTextEdit="1"/>
+              </p:cNvSpPr>
+              <p:nvPr/>
+            </p:nvSpPr>
+            <p:spPr>
+              <a:xfrm>
+                <a:off x="5004048" y="4077072"/>
+                <a:ext cx="1497205" cy="246221"/>
+              </a:xfrm>
+              <a:prstGeom prst="rect">
+                <a:avLst/>
+              </a:prstGeom>
+              <a:blipFill>
+                <a:blip r:embed="rId5"/>
+                <a:stretch>
+                  <a:fillRect l="-408" r="-2857" b="-32500"/>
+                </a:stretch>
+              </a:blipFill>
+            </p:spPr>
+            <p:txBody>
+              <a:bodyPr/>
+              <a:lstStyle/>
+              <a:p>
+                <a:r>
+                  <a:rPr lang="fr-FR">
+                    <a:noFill/>
+                  </a:rPr>
+                  <a:t> </a:t>
+                </a:r>
+              </a:p>
+            </p:txBody>
+          </p:sp>
+        </mc:Fallback>
+      </mc:AlternateContent>
+    </p:spTree>
+    <p:extLst>
+      <p:ext uri="{BB962C8B-B14F-4D97-AF65-F5344CB8AC3E}">
+        <p14:creationId xmlns:p14="http://schemas.microsoft.com/office/powerpoint/2010/main" val="783214024"/>
+      </p:ext>
+    </p:extLst>
+  </p:cSld>
+  <p:clrMapOvr>
+    <a:masterClrMapping/>
+  </p:clrMapOvr>
+</p:sld>
+</file>
+
 <file path=ppt/theme/theme1.xml><?xml version="1.0" encoding="utf-8"?>
 <a:theme xmlns:a="http://schemas.openxmlformats.org/drawingml/2006/main" name="Thème Office">
   <a:themeElements>
